--- a/Gr01_React_MorandaRiccardi.pptx
+++ b/Gr01_React_MorandaRiccardi.pptx
@@ -264,7 +264,7 @@
             <a:fld id="{EC9388A7-5429-7442-BD81-798B3F4B5BE0}" type="datetime1">
               <a:rPr lang="it-IT"/>
               <a:pPr/>
-              <a:t>27/04/2022</a:t>
+              <a:t>03/05/2022</a:t>
             </a:fld>
             <a:endParaRPr lang="it-IT"/>
           </a:p>
@@ -515,14 +515,14 @@
           </a:ln>
           <a:extLst>
             <a:ext uri="{909E8E84-426E-40dd-AFC4-6F175D3DCCD1}">
-              <a14:hiddenFill xmlns="" xmlns:a14="http://schemas.microsoft.com/office/drawing/2010/main">
+              <a14:hiddenFill xmlns:a14="http://schemas.microsoft.com/office/drawing/2010/main" xmlns="">
                 <a:solidFill>
                   <a:srgbClr val="FFFFFF"/>
                 </a:solidFill>
               </a14:hiddenFill>
             </a:ext>
             <a:ext uri="{FAA26D3D-D897-4be2-8F04-BA451C77F1D7}">
-              <ma14:placeholderFlag xmlns="" xmlns:ma14="http://schemas.microsoft.com/office/mac/drawingml/2011/main" val="1"/>
+              <ma14:placeholderFlag xmlns:ma14="http://schemas.microsoft.com/office/mac/drawingml/2011/main" xmlns="" val="1"/>
             </a:ext>
           </a:extLst>
         </p:spPr>
@@ -5753,163 +5753,6 @@
           <a:chExt cx="0" cy="0"/>
         </a:xfrm>
       </p:grpSpPr>
-      <p:sp>
-        <p:nvSpPr>
-          <p:cNvPr id="2" name="Segnaposto testo 1"/>
-          <p:cNvSpPr>
-            <a:spLocks noGrp="1"/>
-          </p:cNvSpPr>
-          <p:nvPr>
-            <p:ph type="body" sz="quarter" idx="13"/>
-          </p:nvPr>
-        </p:nvSpPr>
-        <p:spPr/>
-        <p:txBody>
-          <a:bodyPr/>
-          <a:lstStyle/>
-          <a:p>
-            <a:pPr marL="285750" indent="-285750">
-              <a:buFont typeface="Arial" panose="020B0604020202020204" pitchFamily="34" charset="0"/>
-              <a:buChar char="•"/>
-            </a:pPr>
-            <a:r>
-              <a:rPr lang="it-IT" sz="1800" dirty="0" err="1"/>
-              <a:t>React</a:t>
-            </a:r>
-            <a:endParaRPr lang="it-IT" sz="1800" dirty="0"/>
-          </a:p>
-          <a:p>
-            <a:pPr marL="285750" indent="-285750">
-              <a:buFont typeface="Arial" panose="020B0604020202020204" pitchFamily="34" charset="0"/>
-              <a:buChar char="•"/>
-            </a:pPr>
-            <a:r>
-              <a:rPr lang="it-IT" sz="1800" dirty="0"/>
-              <a:t>Features </a:t>
-            </a:r>
-          </a:p>
-          <a:p>
-            <a:pPr marL="285750" indent="-285750">
-              <a:buFont typeface="Arial" panose="020B0604020202020204" pitchFamily="34" charset="0"/>
-              <a:buChar char="•"/>
-            </a:pPr>
-            <a:r>
-              <a:rPr lang="it-IT" sz="1800" dirty="0"/>
-              <a:t>Vantaggi</a:t>
-            </a:r>
-          </a:p>
-          <a:p>
-            <a:pPr marL="285750" indent="-285750">
-              <a:buFont typeface="Arial" panose="020B0604020202020204" pitchFamily="34" charset="0"/>
-              <a:buChar char="•"/>
-            </a:pPr>
-            <a:r>
-              <a:rPr lang="it-IT" sz="1800" dirty="0"/>
-              <a:t>Svantaggi</a:t>
-            </a:r>
-          </a:p>
-          <a:p>
-            <a:pPr marL="285750" indent="-285750">
-              <a:buFont typeface="Arial" panose="020B0604020202020204" pitchFamily="34" charset="0"/>
-              <a:buChar char="•"/>
-            </a:pPr>
-            <a:r>
-              <a:rPr lang="it-IT" sz="1800" dirty="0" err="1"/>
-              <a:t>Calendar</a:t>
-            </a:r>
-            <a:r>
-              <a:rPr lang="it-IT" sz="1800" dirty="0"/>
-              <a:t> component</a:t>
-            </a:r>
-          </a:p>
-          <a:p>
-            <a:pPr marL="285750" indent="-285750">
-              <a:buFont typeface="Arial" panose="020B0604020202020204" pitchFamily="34" charset="0"/>
-              <a:buChar char="•"/>
-            </a:pPr>
-            <a:r>
-              <a:rPr lang="it-IT" sz="1600" dirty="0"/>
-              <a:t>Vista Mensile</a:t>
-            </a:r>
-          </a:p>
-          <a:p>
-            <a:pPr marL="285750" indent="-285750">
-              <a:buFont typeface="Arial" panose="020B0604020202020204" pitchFamily="34" charset="0"/>
-              <a:buChar char="•"/>
-            </a:pPr>
-            <a:r>
-              <a:rPr lang="it-IT" sz="1600" dirty="0"/>
-              <a:t>Vista Settimanale</a:t>
-            </a:r>
-          </a:p>
-          <a:p>
-            <a:pPr marL="285750" indent="-285750">
-              <a:buFont typeface="Arial" panose="020B0604020202020204" pitchFamily="34" charset="0"/>
-              <a:buChar char="•"/>
-            </a:pPr>
-            <a:r>
-              <a:rPr lang="it-IT" sz="1600" dirty="0" err="1"/>
-              <a:t>Search</a:t>
-            </a:r>
-            <a:r>
-              <a:rPr lang="it-IT" sz="1600" dirty="0"/>
-              <a:t> &amp; </a:t>
-            </a:r>
-            <a:r>
-              <a:rPr lang="it-IT" sz="1600" dirty="0" err="1"/>
-              <a:t>Calendar</a:t>
-            </a:r>
-            <a:r>
-              <a:rPr lang="it-IT" sz="1600" dirty="0"/>
-              <a:t> </a:t>
-            </a:r>
-            <a:r>
-              <a:rPr lang="it-IT" sz="1600" dirty="0" err="1"/>
-              <a:t>Checkboxes</a:t>
-            </a:r>
-            <a:endParaRPr lang="it-IT" sz="3200" dirty="0"/>
-          </a:p>
-          <a:p>
-            <a:pPr marL="285750" indent="-285750">
-              <a:buFont typeface="Arial" panose="020B0604020202020204" pitchFamily="34" charset="0"/>
-              <a:buChar char="•"/>
-            </a:pPr>
-            <a:r>
-              <a:rPr lang="it-IT" sz="1800" dirty="0"/>
-              <a:t>Demo</a:t>
-            </a:r>
-          </a:p>
-          <a:p>
-            <a:pPr marL="285750" indent="-285750">
-              <a:buFont typeface="Arial" panose="020B0604020202020204" pitchFamily="34" charset="0"/>
-              <a:buChar char="•"/>
-            </a:pPr>
-            <a:endParaRPr lang="it-IT" dirty="0"/>
-          </a:p>
-        </p:txBody>
-      </p:sp>
-      <p:sp>
-        <p:nvSpPr>
-          <p:cNvPr id="3" name="Segnaposto testo 2"/>
-          <p:cNvSpPr>
-            <a:spLocks noGrp="1"/>
-          </p:cNvSpPr>
-          <p:nvPr>
-            <p:ph type="body" sz="quarter" idx="14"/>
-          </p:nvPr>
-        </p:nvSpPr>
-        <p:spPr/>
-        <p:txBody>
-          <a:bodyPr/>
-          <a:lstStyle/>
-          <a:p>
-            <a:r>
-              <a:rPr lang="it-IT" dirty="0"/>
-              <a:t>Indice</a:t>
-            </a:r>
-          </a:p>
-        </p:txBody>
-      </p:sp>
       <p:pic>
         <p:nvPicPr>
           <p:cNvPr id="6" name="Immagine 5">
@@ -5932,14 +5775,171 @@
         </p:blipFill>
         <p:spPr>
           <a:xfrm>
-            <a:off x="3491880" y="2024843"/>
-            <a:ext cx="4774132" cy="2808313"/>
+            <a:off x="3779912" y="2330708"/>
+            <a:ext cx="4392488" cy="2583817"/>
           </a:xfrm>
           <a:prstGeom prst="rect">
             <a:avLst/>
           </a:prstGeom>
         </p:spPr>
       </p:pic>
+      <p:sp>
+        <p:nvSpPr>
+          <p:cNvPr id="2" name="Segnaposto testo 1"/>
+          <p:cNvSpPr>
+            <a:spLocks noGrp="1"/>
+          </p:cNvSpPr>
+          <p:nvPr>
+            <p:ph type="body" sz="quarter" idx="13"/>
+          </p:nvPr>
+        </p:nvSpPr>
+        <p:spPr/>
+        <p:txBody>
+          <a:bodyPr/>
+          <a:lstStyle/>
+          <a:p>
+            <a:pPr marL="285750" indent="-285750">
+              <a:buFont typeface="Arial" panose="020B0604020202020204" pitchFamily="34" charset="0"/>
+              <a:buChar char="•"/>
+            </a:pPr>
+            <a:r>
+              <a:rPr lang="it-IT" sz="1800" dirty="0" err="1"/>
+              <a:t>React</a:t>
+            </a:r>
+            <a:endParaRPr lang="it-IT" sz="1800" dirty="0"/>
+          </a:p>
+          <a:p>
+            <a:pPr marL="285750" indent="-285750">
+              <a:buFont typeface="Arial" panose="020B0604020202020204" pitchFamily="34" charset="0"/>
+              <a:buChar char="•"/>
+            </a:pPr>
+            <a:r>
+              <a:rPr lang="it-IT" sz="1800" dirty="0"/>
+              <a:t>Features </a:t>
+            </a:r>
+          </a:p>
+          <a:p>
+            <a:pPr marL="285750" indent="-285750">
+              <a:buFont typeface="Arial" panose="020B0604020202020204" pitchFamily="34" charset="0"/>
+              <a:buChar char="•"/>
+            </a:pPr>
+            <a:r>
+              <a:rPr lang="it-IT" sz="1800" dirty="0"/>
+              <a:t>Vantaggi</a:t>
+            </a:r>
+          </a:p>
+          <a:p>
+            <a:pPr marL="285750" indent="-285750">
+              <a:buFont typeface="Arial" panose="020B0604020202020204" pitchFamily="34" charset="0"/>
+              <a:buChar char="•"/>
+            </a:pPr>
+            <a:r>
+              <a:rPr lang="it-IT" sz="1800" dirty="0"/>
+              <a:t>Svantaggi</a:t>
+            </a:r>
+          </a:p>
+          <a:p>
+            <a:pPr marL="285750" indent="-285750">
+              <a:buFont typeface="Arial" panose="020B0604020202020204" pitchFamily="34" charset="0"/>
+              <a:buChar char="•"/>
+            </a:pPr>
+            <a:r>
+              <a:rPr lang="it-IT" sz="1800" dirty="0" err="1"/>
+              <a:t>Calendar</a:t>
+            </a:r>
+            <a:r>
+              <a:rPr lang="it-IT" sz="1800" dirty="0"/>
+              <a:t> component</a:t>
+            </a:r>
+          </a:p>
+          <a:p>
+            <a:pPr marL="285750" indent="-285750">
+              <a:buFont typeface="Arial" panose="020B0604020202020204" pitchFamily="34" charset="0"/>
+              <a:buChar char="•"/>
+            </a:pPr>
+            <a:r>
+              <a:rPr lang="it-IT" sz="1800" dirty="0"/>
+              <a:t>Vista Mensile</a:t>
+            </a:r>
+          </a:p>
+          <a:p>
+            <a:pPr marL="285750" indent="-285750">
+              <a:buFont typeface="Arial" panose="020B0604020202020204" pitchFamily="34" charset="0"/>
+              <a:buChar char="•"/>
+            </a:pPr>
+            <a:r>
+              <a:rPr lang="it-IT" sz="1800" dirty="0"/>
+              <a:t>Vista Settimanale</a:t>
+            </a:r>
+          </a:p>
+          <a:p>
+            <a:pPr marL="285750" indent="-285750">
+              <a:buFont typeface="Arial" panose="020B0604020202020204" pitchFamily="34" charset="0"/>
+              <a:buChar char="•"/>
+            </a:pPr>
+            <a:r>
+              <a:rPr lang="it-IT" sz="1800" dirty="0" err="1"/>
+              <a:t>Search</a:t>
+            </a:r>
+            <a:r>
+              <a:rPr lang="it-IT" sz="1800" dirty="0"/>
+              <a:t> &amp; </a:t>
+            </a:r>
+            <a:r>
+              <a:rPr lang="it-IT" sz="1800" dirty="0" err="1"/>
+              <a:t>Calendar</a:t>
+            </a:r>
+            <a:r>
+              <a:rPr lang="it-IT" sz="1800" dirty="0"/>
+              <a:t> </a:t>
+            </a:r>
+            <a:r>
+              <a:rPr lang="it-IT" sz="1800" dirty="0" err="1"/>
+              <a:t>Checkboxes</a:t>
+            </a:r>
+            <a:endParaRPr lang="it-IT" sz="1800" dirty="0"/>
+          </a:p>
+          <a:p>
+            <a:pPr marL="285750" indent="-285750">
+              <a:buFont typeface="Arial" panose="020B0604020202020204" pitchFamily="34" charset="0"/>
+              <a:buChar char="•"/>
+            </a:pPr>
+            <a:r>
+              <a:rPr lang="it-IT" sz="1800" dirty="0"/>
+              <a:t>Demo</a:t>
+            </a:r>
+          </a:p>
+          <a:p>
+            <a:pPr marL="285750" indent="-285750">
+              <a:buFont typeface="Arial" panose="020B0604020202020204" pitchFamily="34" charset="0"/>
+              <a:buChar char="•"/>
+            </a:pPr>
+            <a:endParaRPr lang="it-IT" dirty="0"/>
+          </a:p>
+        </p:txBody>
+      </p:sp>
+      <p:sp>
+        <p:nvSpPr>
+          <p:cNvPr id="3" name="Segnaposto testo 2"/>
+          <p:cNvSpPr>
+            <a:spLocks noGrp="1"/>
+          </p:cNvSpPr>
+          <p:nvPr>
+            <p:ph type="body" sz="quarter" idx="14"/>
+          </p:nvPr>
+        </p:nvSpPr>
+        <p:spPr/>
+        <p:txBody>
+          <a:bodyPr/>
+          <a:lstStyle/>
+          <a:p>
+            <a:r>
+              <a:rPr lang="it-IT" dirty="0"/>
+              <a:t>Indice</a:t>
+            </a:r>
+          </a:p>
+        </p:txBody>
+      </p:sp>
     </p:spTree>
     <p:extLst>
       <p:ext uri="{BB962C8B-B14F-4D97-AF65-F5344CB8AC3E}">
@@ -6338,7 +6338,7 @@
               <a:buChar char="•"/>
             </a:pPr>
             <a:r>
-              <a:rPr lang="it-IT" sz="1600" dirty="0"/>
+              <a:rPr lang="it-IT" sz="1800" dirty="0"/>
               <a:t>Short Learning Curve</a:t>
             </a:r>
           </a:p>
@@ -6348,7 +6348,7 @@
               <a:buChar char="•"/>
             </a:pPr>
             <a:r>
-              <a:rPr lang="it-IT" sz="1600" dirty="0"/>
+              <a:rPr lang="it-IT" sz="1800" dirty="0"/>
               <a:t>Costruire UI ricche</a:t>
             </a:r>
           </a:p>
@@ -6358,26 +6358,26 @@
               <a:buChar char="•"/>
             </a:pPr>
             <a:r>
-              <a:rPr lang="en-US" sz="1600" dirty="0" err="1"/>
-              <a:t>Facilità</a:t>
-            </a:r>
-            <a:r>
-              <a:rPr lang="en-US" sz="1600" dirty="0"/>
+              <a:rPr lang="en-US" sz="1800" dirty="0" err="1"/>
+              <a:t>Facilita</a:t>
+            </a:r>
+            <a:r>
+              <a:rPr lang="en-US" sz="1800" dirty="0"/>
               <a:t> la </a:t>
             </a:r>
             <a:r>
-              <a:rPr lang="en-US" sz="1600" dirty="0" err="1"/>
+              <a:rPr lang="en-US" sz="1800" dirty="0" err="1"/>
               <a:t>creazione</a:t>
             </a:r>
             <a:r>
-              <a:rPr lang="en-US" sz="1600" dirty="0"/>
+              <a:rPr lang="en-US" sz="1800" dirty="0"/>
               <a:t> di component </a:t>
             </a:r>
             <a:r>
-              <a:rPr lang="en-US" sz="1600" dirty="0" err="1"/>
+              <a:rPr lang="en-US" sz="1800" dirty="0" err="1"/>
               <a:t>personalizzati</a:t>
             </a:r>
-            <a:endParaRPr lang="en-US" sz="1600" dirty="0"/>
+            <a:endParaRPr lang="en-US" sz="1800" dirty="0"/>
           </a:p>
           <a:p>
             <a:pPr marL="285750" indent="-285750">
@@ -6385,7 +6385,7 @@
               <a:buChar char="•"/>
             </a:pPr>
             <a:r>
-              <a:rPr lang="en-US" sz="1600" dirty="0"/>
+              <a:rPr lang="en-US" sz="1800" dirty="0"/>
               <a:t>Rendering veloce</a:t>
             </a:r>
           </a:p>
@@ -6395,9 +6395,26 @@
               <a:buChar char="•"/>
             </a:pPr>
             <a:r>
-              <a:rPr lang="en-US" sz="1600" dirty="0"/>
-              <a:t>SEO-Friendly</a:t>
-            </a:r>
+              <a:rPr lang="en-US" sz="1800" dirty="0" err="1"/>
+              <a:t>Stabilità</a:t>
+            </a:r>
+            <a:r>
+              <a:rPr lang="en-US" sz="1800" dirty="0"/>
+              <a:t> del </a:t>
+            </a:r>
+            <a:r>
+              <a:rPr lang="en-US" sz="1800" dirty="0" err="1"/>
+              <a:t>codice</a:t>
+            </a:r>
+            <a:r>
+              <a:rPr lang="en-US" sz="1800" dirty="0"/>
+              <a:t> </a:t>
+            </a:r>
+            <a:r>
+              <a:rPr lang="en-US" sz="1800" dirty="0" err="1"/>
+              <a:t>migliorata</a:t>
+            </a:r>
+            <a:endParaRPr lang="en-US" sz="1800" dirty="0"/>
           </a:p>
           <a:p>
             <a:pPr marL="285750" indent="-285750">
@@ -6405,80 +6422,26 @@
               <a:buChar char="•"/>
             </a:pPr>
             <a:r>
-              <a:rPr lang="en-US" sz="1600" dirty="0" err="1"/>
-              <a:t>Strumenti</a:t>
-            </a:r>
-            <a:r>
-              <a:rPr lang="en-US" sz="1600" dirty="0"/>
-              <a:t> per lo </a:t>
-            </a:r>
-            <a:r>
-              <a:rPr lang="en-US" sz="1600" dirty="0" err="1"/>
-              <a:t>sviluppatore</a:t>
-            </a:r>
-            <a:r>
-              <a:rPr lang="en-US" sz="1600" dirty="0"/>
-              <a:t> </a:t>
-            </a:r>
-            <a:r>
-              <a:rPr lang="en-US" sz="1600" dirty="0" err="1"/>
-              <a:t>comodi</a:t>
-            </a:r>
-            <a:endParaRPr lang="en-US" sz="1600" dirty="0"/>
-          </a:p>
-          <a:p>
-            <a:pPr marL="285750" indent="-285750">
-              <a:buFont typeface="Arial" panose="020B0604020202020204" pitchFamily="34" charset="0"/>
-              <a:buChar char="•"/>
-            </a:pPr>
-            <a:r>
-              <a:rPr lang="en-US" sz="1600" dirty="0" err="1"/>
-              <a:t>Stabilità</a:t>
-            </a:r>
-            <a:r>
-              <a:rPr lang="en-US" sz="1600" dirty="0"/>
-              <a:t> del </a:t>
-            </a:r>
-            <a:r>
-              <a:rPr lang="en-US" sz="1600" dirty="0" err="1"/>
-              <a:t>codice</a:t>
-            </a:r>
-            <a:r>
-              <a:rPr lang="en-US" sz="1600" dirty="0"/>
-              <a:t> </a:t>
-            </a:r>
-            <a:r>
-              <a:rPr lang="en-US" sz="1600" dirty="0" err="1"/>
-              <a:t>migliorata</a:t>
-            </a:r>
-            <a:endParaRPr lang="en-US" sz="1600" dirty="0"/>
-          </a:p>
-          <a:p>
-            <a:pPr marL="285750" indent="-285750">
-              <a:buFont typeface="Arial" panose="020B0604020202020204" pitchFamily="34" charset="0"/>
-              <a:buChar char="•"/>
-            </a:pPr>
-            <a:r>
-              <a:rPr lang="en-US" sz="1600" dirty="0" err="1"/>
+              <a:rPr lang="en-US" sz="1800" dirty="0" err="1"/>
               <a:t>Supporto</a:t>
             </a:r>
             <a:r>
-              <a:rPr lang="en-US" sz="1600" dirty="0"/>
-              <a:t> </a:t>
-            </a:r>
-            <a:r>
-              <a:rPr lang="en-US" sz="1600" dirty="0" err="1"/>
+              <a:rPr lang="en-US" sz="1800" dirty="0"/>
+              <a:t> </a:t>
+            </a:r>
+            <a:r>
+              <a:rPr lang="en-US" sz="1800" dirty="0" err="1"/>
               <a:t>robusto</a:t>
             </a:r>
             <a:r>
-              <a:rPr lang="en-US" sz="1600" dirty="0"/>
-              <a:t> </a:t>
-            </a:r>
-            <a:r>
-              <a:rPr lang="en-US" sz="1600" dirty="0" err="1"/>
+              <a:rPr lang="en-US" sz="1800" dirty="0"/>
+              <a:t> </a:t>
+            </a:r>
+            <a:r>
+              <a:rPr lang="en-US" sz="1800" dirty="0" err="1"/>
               <a:t>comunità</a:t>
             </a:r>
-            <a:endParaRPr lang="it-IT" sz="1600" dirty="0"/>
+            <a:endParaRPr lang="it-IT" sz="1800" dirty="0"/>
           </a:p>
         </p:txBody>
       </p:sp>
@@ -6588,28 +6551,6 @@
             </a:r>
           </a:p>
           <a:p>
-            <a:pPr marL="285750" indent="-285750">
-              <a:buFont typeface="Arial" panose="020B0604020202020204" pitchFamily="34" charset="0"/>
-              <a:buChar char="•"/>
-            </a:pPr>
-            <a:r>
-              <a:rPr lang="it-IT" sz="1800" dirty="0"/>
-              <a:t>Documentazione carente</a:t>
-            </a:r>
-          </a:p>
-          <a:p>
-            <a:pPr marL="285750" indent="-285750">
-              <a:buFont typeface="Arial" panose="020B0604020202020204" pitchFamily="34" charset="0"/>
-              <a:buChar char="•"/>
-            </a:pPr>
-            <a:r>
-              <a:rPr lang="en-US" sz="1800" dirty="0" err="1"/>
-              <a:t>Problemi</a:t>
-            </a:r>
-            <a:r>
-              <a:rPr lang="en-US" sz="1800" dirty="0"/>
-              <a:t> con SEO</a:t>
-            </a:r>
             <a:endParaRPr lang="it-IT" sz="1800" dirty="0"/>
           </a:p>
         </p:txBody>
@@ -6638,10 +6579,10 @@
       </p:sp>
       <p:pic>
         <p:nvPicPr>
-          <p:cNvPr id="7" name="Immagine 6" descr="Immagine che contiene testo&#10;&#10;Descrizione generata automaticamente">
+          <p:cNvPr id="6" name="Immagine 5">
             <a:extLst>
               <a:ext uri="{FF2B5EF4-FFF2-40B4-BE49-F238E27FC236}">
-                <a16:creationId xmlns:a16="http://schemas.microsoft.com/office/drawing/2014/main" id="{E0F056A7-108D-40D7-A6B9-C36CAD2D231C}"/>
+                <a16:creationId xmlns:a16="http://schemas.microsoft.com/office/drawing/2014/main" id="{F56A4D00-7DAF-C563-E84D-E71075240E6A}"/>
               </a:ext>
             </a:extLst>
           </p:cNvPr>
@@ -6650,15 +6591,16 @@
           </p:cNvPicPr>
           <p:nvPr/>
         </p:nvPicPr>
-        <p:blipFill rotWithShape="1">
+        <p:blipFill>
           <a:blip r:embed="rId3"/>
-          <a:srcRect l="3230" t="24364" r="68291" b="10789"/>
-          <a:stretch/>
+          <a:stretch>
+            <a:fillRect/>
+          </a:stretch>
         </p:blipFill>
         <p:spPr>
           <a:xfrm>
-            <a:off x="4860032" y="1916832"/>
-            <a:ext cx="2520280" cy="3586554"/>
+            <a:off x="4227044" y="2168840"/>
+            <a:ext cx="4000508" cy="2520320"/>
           </a:xfrm>
           <a:prstGeom prst="rect">
             <a:avLst/>
@@ -7023,7 +6965,7 @@
           <a:p>
             <a:r>
               <a:rPr lang="it-IT" dirty="0"/>
-              <a:t>Demo</a:t>
+              <a:t>Demo DA AGGIORNARE E TESTARE PRIMA DI PRESENTARE</a:t>
             </a:r>
           </a:p>
         </p:txBody>

--- a/Gr01_React_MorandaRiccardi.pptx
+++ b/Gr01_React_MorandaRiccardi.pptx
@@ -264,7 +264,7 @@
             <a:fld id="{EC9388A7-5429-7442-BD81-798B3F4B5BE0}" type="datetime1">
               <a:rPr lang="it-IT"/>
               <a:pPr/>
-              <a:t>03/05/2022</a:t>
+              <a:t>03/05/22</a:t>
             </a:fld>
             <a:endParaRPr lang="it-IT"/>
           </a:p>
@@ -515,14 +515,14 @@
           </a:ln>
           <a:extLst>
             <a:ext uri="{909E8E84-426E-40dd-AFC4-6F175D3DCCD1}">
-              <a14:hiddenFill xmlns:a14="http://schemas.microsoft.com/office/drawing/2010/main" xmlns="">
+              <a14:hiddenFill xmlns="" xmlns:a14="http://schemas.microsoft.com/office/drawing/2010/main">
                 <a:solidFill>
                   <a:srgbClr val="FFFFFF"/>
                 </a:solidFill>
               </a14:hiddenFill>
             </a:ext>
             <a:ext uri="{FAA26D3D-D897-4be2-8F04-BA451C77F1D7}">
-              <ma14:placeholderFlag xmlns:ma14="http://schemas.microsoft.com/office/mac/drawingml/2011/main" xmlns="" val="1"/>
+              <ma14:placeholderFlag xmlns="" xmlns:ma14="http://schemas.microsoft.com/office/mac/drawingml/2011/main" val="1"/>
             </a:ext>
           </a:extLst>
         </p:spPr>
@@ -5429,18 +5429,26 @@
           <a:lstStyle/>
           <a:p>
             <a:r>
-              <a:rPr lang="it-IT" dirty="0" err="1"/>
+              <a:rPr lang="it-IT" dirty="0" err="1">
+                <a:latin typeface="+mn-lt"/>
+              </a:rPr>
               <a:t>Calendar</a:t>
             </a:r>
             <a:r>
-              <a:rPr lang="it-IT" dirty="0"/>
+              <a:rPr lang="it-IT" dirty="0">
+                <a:latin typeface="+mn-lt"/>
+              </a:rPr>
               <a:t> component con </a:t>
             </a:r>
             <a:r>
-              <a:rPr lang="it-IT" dirty="0" err="1"/>
+              <a:rPr lang="it-IT" dirty="0" err="1">
+                <a:latin typeface="+mn-lt"/>
+              </a:rPr>
               <a:t>React</a:t>
             </a:r>
-            <a:endParaRPr lang="it-IT" dirty="0"/>
+            <a:endParaRPr lang="it-IT" dirty="0">
+              <a:latin typeface="+mn-lt"/>
+            </a:endParaRPr>
           </a:p>
         </p:txBody>
       </p:sp>
@@ -6821,123 +6829,8 @@
             </a:pPr>
             <a:r>
               <a:rPr lang="it-IT" sz="1800" dirty="0"/>
-              <a:t>Remoto:</a:t>
-            </a:r>
-          </a:p>
-          <a:p>
-            <a:r>
-              <a:rPr lang="it-IT" sz="1800" dirty="0" err="1"/>
-              <a:t>url_data</a:t>
-            </a:r>
-            <a:r>
-              <a:rPr lang="it-IT" sz="1800" dirty="0"/>
-              <a:t>={</a:t>
-            </a:r>
-            <a:r>
-              <a:rPr lang="it-IT" sz="1800" dirty="0" err="1"/>
-              <a:t>url_data</a:t>
-            </a:r>
-            <a:r>
-              <a:rPr lang="it-IT" sz="1800" dirty="0"/>
-              <a:t>} </a:t>
-            </a:r>
-            <a:r>
-              <a:rPr lang="it-IT" sz="1800" dirty="0" err="1"/>
-              <a:t>url_calendars</a:t>
-            </a:r>
-            <a:r>
-              <a:rPr lang="it-IT" sz="1800" dirty="0"/>
-              <a:t>={</a:t>
-            </a:r>
-            <a:r>
-              <a:rPr lang="it-IT" sz="1800" dirty="0" err="1"/>
-              <a:t>url_calendars</a:t>
-            </a:r>
-            <a:r>
-              <a:rPr lang="it-IT" sz="1800" dirty="0"/>
-              <a:t>} </a:t>
-            </a:r>
-            <a:r>
-              <a:rPr lang="it-IT" sz="1800" dirty="0" err="1"/>
-              <a:t>search</a:t>
-            </a:r>
-            <a:r>
-              <a:rPr lang="it-IT" sz="1800" dirty="0"/>
-              <a:t>={</a:t>
-            </a:r>
-            <a:r>
-              <a:rPr lang="it-IT" sz="1800" dirty="0" err="1"/>
-              <a:t>api_search</a:t>
-            </a:r>
-            <a:r>
-              <a:rPr lang="it-IT" sz="1800" dirty="0"/>
-              <a:t>} </a:t>
-            </a:r>
-            <a:r>
-              <a:rPr lang="it-IT" sz="1800" dirty="0" err="1"/>
-              <a:t>clickHandler</a:t>
-            </a:r>
-            <a:r>
-              <a:rPr lang="it-IT" sz="1800" dirty="0"/>
-              <a:t>={</a:t>
-            </a:r>
-            <a:r>
-              <a:rPr lang="it-IT" sz="1800" dirty="0" err="1"/>
-              <a:t>clickHandler</a:t>
-            </a:r>
-            <a:r>
-              <a:rPr lang="it-IT" sz="1800" dirty="0"/>
-              <a:t>}</a:t>
-            </a:r>
-          </a:p>
-          <a:p>
-            <a:pPr marL="285750" indent="-285750">
-              <a:buFont typeface="Arial" panose="020B0604020202020204" pitchFamily="34" charset="0"/>
-              <a:buChar char="•"/>
-            </a:pPr>
-            <a:r>
-              <a:rPr lang="it-IT" sz="1800" dirty="0"/>
-              <a:t>Locale</a:t>
-            </a:r>
-          </a:p>
-          <a:p>
-            <a:r>
-              <a:rPr lang="en-US" sz="1800" dirty="0"/>
-              <a:t>data={</a:t>
-            </a:r>
-            <a:r>
-              <a:rPr lang="en-US" sz="1800" dirty="0" err="1"/>
-              <a:t>local_json</a:t>
-            </a:r>
-            <a:r>
-              <a:rPr lang="en-US" sz="1800" dirty="0"/>
-              <a:t>} calendars={</a:t>
-            </a:r>
-            <a:r>
-              <a:rPr lang="en-US" sz="1800" dirty="0" err="1"/>
-              <a:t>local_calendar</a:t>
-            </a:r>
-            <a:r>
-              <a:rPr lang="en-US" sz="1800" dirty="0"/>
-              <a:t>} </a:t>
-            </a:r>
-            <a:r>
-              <a:rPr lang="en-US" sz="1800" dirty="0" err="1"/>
-              <a:t>clickHandler</a:t>
-            </a:r>
-            <a:r>
-              <a:rPr lang="en-US" sz="1800" dirty="0"/>
-              <a:t>={</a:t>
-            </a:r>
-            <a:r>
-              <a:rPr lang="en-US" sz="1800" dirty="0" err="1"/>
-              <a:t>clickHandler</a:t>
-            </a:r>
-            <a:r>
-              <a:rPr lang="en-US" sz="1800" dirty="0"/>
-              <a:t>}</a:t>
-            </a:r>
-            <a:endParaRPr lang="it-IT" sz="1800" dirty="0"/>
+              <a:t>Remoto</a:t>
+            </a:r>
           </a:p>
           <a:p>
             <a:pPr marL="285750" indent="-285750">
@@ -6945,6 +6838,51 @@
               <a:buChar char="•"/>
             </a:pPr>
             <a:endParaRPr lang="it-IT" sz="1800" dirty="0"/>
+          </a:p>
+          <a:p>
+            <a:pPr marL="285750" indent="-285750">
+              <a:buFont typeface="Arial" panose="020B0604020202020204" pitchFamily="34" charset="0"/>
+              <a:buChar char="•"/>
+            </a:pPr>
+            <a:endParaRPr lang="it-IT" sz="1800" dirty="0"/>
+          </a:p>
+          <a:p>
+            <a:pPr marL="285750" indent="-285750">
+              <a:buFont typeface="Arial" panose="020B0604020202020204" pitchFamily="34" charset="0"/>
+              <a:buChar char="•"/>
+            </a:pPr>
+            <a:endParaRPr lang="it-IT" sz="1800" dirty="0"/>
+          </a:p>
+          <a:p>
+            <a:pPr marL="285750" indent="-285750">
+              <a:buFont typeface="Arial" panose="020B0604020202020204" pitchFamily="34" charset="0"/>
+              <a:buChar char="•"/>
+            </a:pPr>
+            <a:endParaRPr lang="it-IT" sz="1800" dirty="0"/>
+          </a:p>
+          <a:p>
+            <a:pPr marL="285750" indent="-285750">
+              <a:buFont typeface="Arial" panose="020B0604020202020204" pitchFamily="34" charset="0"/>
+              <a:buChar char="•"/>
+            </a:pPr>
+            <a:endParaRPr lang="it-IT" sz="1800" dirty="0"/>
+          </a:p>
+          <a:p>
+            <a:pPr marL="285750" indent="-285750">
+              <a:buFont typeface="Arial" panose="020B0604020202020204" pitchFamily="34" charset="0"/>
+              <a:buChar char="•"/>
+            </a:pPr>
+            <a:endParaRPr lang="it-IT" sz="1800" dirty="0"/>
+          </a:p>
+          <a:p>
+            <a:pPr marL="285750" indent="-285750">
+              <a:buFont typeface="Arial" panose="020B0604020202020204" pitchFamily="34" charset="0"/>
+              <a:buChar char="•"/>
+            </a:pPr>
+            <a:r>
+              <a:rPr lang="it-IT" sz="1800" dirty="0"/>
+              <a:t>Locale</a:t>
+            </a:r>
           </a:p>
         </p:txBody>
       </p:sp>
@@ -6965,8 +6903,515 @@
           <a:p>
             <a:r>
               <a:rPr lang="it-IT" dirty="0"/>
-              <a:t>Demo DA AGGIORNARE E TESTARE PRIMA DI PRESENTARE</a:t>
-            </a:r>
+              <a:t>Demo</a:t>
+            </a:r>
+          </a:p>
+        </p:txBody>
+      </p:sp>
+      <p:sp>
+        <p:nvSpPr>
+          <p:cNvPr id="4" name="CasellaDiTesto 3">
+            <a:extLst>
+              <a:ext uri="{FF2B5EF4-FFF2-40B4-BE49-F238E27FC236}">
+                <a16:creationId xmlns:a16="http://schemas.microsoft.com/office/drawing/2014/main" id="{C3017764-2EC2-124E-B33F-F9920EFAD289}"/>
+              </a:ext>
+            </a:extLst>
+          </p:cNvPr>
+          <p:cNvSpPr txBox="1"/>
+          <p:nvPr/>
+        </p:nvSpPr>
+        <p:spPr>
+          <a:xfrm>
+            <a:off x="719572" y="3068960"/>
+            <a:ext cx="7056784" cy="1510771"/>
+          </a:xfrm>
+          <a:prstGeom prst="rect">
+            <a:avLst/>
+          </a:prstGeom>
+          <a:solidFill>
+            <a:schemeClr val="tx1">
+              <a:lumMod val="85000"/>
+              <a:lumOff val="15000"/>
+            </a:schemeClr>
+          </a:solidFill>
+        </p:spPr>
+        <p:style>
+          <a:lnRef idx="2">
+            <a:schemeClr val="dk1"/>
+          </a:lnRef>
+          <a:fillRef idx="1">
+            <a:schemeClr val="lt1"/>
+          </a:fillRef>
+          <a:effectRef idx="0">
+            <a:schemeClr val="dk1"/>
+          </a:effectRef>
+          <a:fontRef idx="minor">
+            <a:schemeClr val="dk1"/>
+          </a:fontRef>
+        </p:style>
+        <p:txBody>
+          <a:bodyPr wrap="square" tIns="216000" rtlCol="0" anchor="ctr" anchorCtr="0">
+            <a:spAutoFit/>
+          </a:bodyPr>
+          <a:lstStyle/>
+          <a:p>
+            <a:pPr>
+              <a:lnSpc>
+                <a:spcPct val="150000"/>
+              </a:lnSpc>
+            </a:pPr>
+            <a:r>
+              <a:rPr lang="it-CH" sz="1400" dirty="0">
+                <a:solidFill>
+                  <a:srgbClr val="ABB2BF"/>
+                </a:solidFill>
+                <a:latin typeface="Menlo" panose="020B0609030804020204" pitchFamily="49" charset="0"/>
+              </a:rPr>
+              <a:t>&lt;</a:t>
+            </a:r>
+            <a:r>
+              <a:rPr lang="it-CH" sz="1400" dirty="0">
+                <a:solidFill>
+                  <a:srgbClr val="E5C07B"/>
+                </a:solidFill>
+                <a:latin typeface="Menlo" panose="020B0609030804020204" pitchFamily="49" charset="0"/>
+              </a:rPr>
+              <a:t>Calendar</a:t>
+            </a:r>
+            <a:r>
+              <a:rPr lang="it-CH" sz="1400" dirty="0">
+                <a:solidFill>
+                  <a:srgbClr val="ABB2BF"/>
+                </a:solidFill>
+                <a:latin typeface="Menlo" panose="020B0609030804020204" pitchFamily="49" charset="0"/>
+              </a:rPr>
+              <a:t> </a:t>
+            </a:r>
+            <a:r>
+              <a:rPr lang="it-CH" sz="1400" dirty="0">
+                <a:solidFill>
+                  <a:srgbClr val="D19A66"/>
+                </a:solidFill>
+                <a:latin typeface="Menlo" panose="020B0609030804020204" pitchFamily="49" charset="0"/>
+              </a:rPr>
+              <a:t>url_data</a:t>
+            </a:r>
+            <a:r>
+              <a:rPr lang="it-CH" sz="1400" dirty="0">
+                <a:solidFill>
+                  <a:srgbClr val="ABB2BF"/>
+                </a:solidFill>
+                <a:latin typeface="Menlo" panose="020B0609030804020204" pitchFamily="49" charset="0"/>
+              </a:rPr>
+              <a:t>={url_data} </a:t>
+            </a:r>
+            <a:r>
+              <a:rPr lang="it-CH" sz="1400" dirty="0">
+                <a:solidFill>
+                  <a:srgbClr val="D19A66"/>
+                </a:solidFill>
+                <a:latin typeface="Menlo" panose="020B0609030804020204" pitchFamily="49" charset="0"/>
+              </a:rPr>
+              <a:t>url_calendars</a:t>
+            </a:r>
+            <a:r>
+              <a:rPr lang="it-CH" sz="1400" dirty="0">
+                <a:solidFill>
+                  <a:srgbClr val="ABB2BF"/>
+                </a:solidFill>
+                <a:latin typeface="Menlo" panose="020B0609030804020204" pitchFamily="49" charset="0"/>
+              </a:rPr>
+              <a:t>={url_calendars} </a:t>
+            </a:r>
+            <a:r>
+              <a:rPr lang="it-CH" sz="1400" dirty="0">
+                <a:solidFill>
+                  <a:srgbClr val="D19A66"/>
+                </a:solidFill>
+                <a:latin typeface="Menlo" panose="020B0609030804020204" pitchFamily="49" charset="0"/>
+              </a:rPr>
+              <a:t>search</a:t>
+            </a:r>
+            <a:r>
+              <a:rPr lang="it-CH" sz="1400" dirty="0">
+                <a:solidFill>
+                  <a:srgbClr val="ABB2BF"/>
+                </a:solidFill>
+                <a:latin typeface="Menlo" panose="020B0609030804020204" pitchFamily="49" charset="0"/>
+              </a:rPr>
+              <a:t>={api_search} </a:t>
+            </a:r>
+            <a:r>
+              <a:rPr lang="it-CH" sz="1400" dirty="0">
+                <a:solidFill>
+                  <a:srgbClr val="D19A66"/>
+                </a:solidFill>
+                <a:latin typeface="Menlo" panose="020B0609030804020204" pitchFamily="49" charset="0"/>
+              </a:rPr>
+              <a:t>clickHandler</a:t>
+            </a:r>
+            <a:r>
+              <a:rPr lang="it-CH" sz="1400" dirty="0">
+                <a:solidFill>
+                  <a:srgbClr val="ABB2BF"/>
+                </a:solidFill>
+                <a:latin typeface="Menlo" panose="020B0609030804020204" pitchFamily="49" charset="0"/>
+              </a:rPr>
+              <a:t>={clickHandler} </a:t>
+            </a:r>
+            <a:r>
+              <a:rPr lang="it-CH" sz="1400" dirty="0">
+                <a:solidFill>
+                  <a:srgbClr val="D19A66"/>
+                </a:solidFill>
+                <a:latin typeface="Menlo" panose="020B0609030804020204" pitchFamily="49" charset="0"/>
+              </a:rPr>
+              <a:t>searchBar</a:t>
+            </a:r>
+            <a:r>
+              <a:rPr lang="it-CH" sz="1400" dirty="0">
+                <a:solidFill>
+                  <a:srgbClr val="ABB2BF"/>
+                </a:solidFill>
+                <a:latin typeface="Menlo" panose="020B0609030804020204" pitchFamily="49" charset="0"/>
+              </a:rPr>
+              <a:t>={</a:t>
+            </a:r>
+            <a:r>
+              <a:rPr lang="it-CH" sz="1400" dirty="0">
+                <a:solidFill>
+                  <a:srgbClr val="D19A66"/>
+                </a:solidFill>
+                <a:latin typeface="Menlo" panose="020B0609030804020204" pitchFamily="49" charset="0"/>
+              </a:rPr>
+              <a:t>true</a:t>
+            </a:r>
+            <a:r>
+              <a:rPr lang="it-CH" sz="1400" dirty="0">
+                <a:solidFill>
+                  <a:srgbClr val="ABB2BF"/>
+                </a:solidFill>
+                <a:latin typeface="Menlo" panose="020B0609030804020204" pitchFamily="49" charset="0"/>
+              </a:rPr>
+              <a:t>} </a:t>
+            </a:r>
+            <a:r>
+              <a:rPr lang="it-CH" sz="1400" dirty="0">
+                <a:solidFill>
+                  <a:srgbClr val="D19A66"/>
+                </a:solidFill>
+                <a:latin typeface="Menlo" panose="020B0609030804020204" pitchFamily="49" charset="0"/>
+              </a:rPr>
+              <a:t>week</a:t>
+            </a:r>
+            <a:r>
+              <a:rPr lang="it-CH" sz="1400" dirty="0">
+                <a:solidFill>
+                  <a:srgbClr val="ABB2BF"/>
+                </a:solidFill>
+                <a:latin typeface="Menlo" panose="020B0609030804020204" pitchFamily="49" charset="0"/>
+              </a:rPr>
+              <a:t>={</a:t>
+            </a:r>
+            <a:r>
+              <a:rPr lang="it-CH" sz="1400" dirty="0">
+                <a:solidFill>
+                  <a:srgbClr val="D19A66"/>
+                </a:solidFill>
+                <a:latin typeface="Menlo" panose="020B0609030804020204" pitchFamily="49" charset="0"/>
+              </a:rPr>
+              <a:t>true</a:t>
+            </a:r>
+            <a:r>
+              <a:rPr lang="it-CH" sz="1400" dirty="0">
+                <a:solidFill>
+                  <a:srgbClr val="ABB2BF"/>
+                </a:solidFill>
+                <a:latin typeface="Menlo" panose="020B0609030804020204" pitchFamily="49" charset="0"/>
+              </a:rPr>
+              <a:t>} </a:t>
+            </a:r>
+            <a:r>
+              <a:rPr lang="it-CH" sz="1400" dirty="0">
+                <a:solidFill>
+                  <a:srgbClr val="D19A66"/>
+                </a:solidFill>
+                <a:latin typeface="Menlo" panose="020B0609030804020204" pitchFamily="49" charset="0"/>
+              </a:rPr>
+              <a:t>month</a:t>
+            </a:r>
+            <a:r>
+              <a:rPr lang="it-CH" sz="1400" dirty="0">
+                <a:solidFill>
+                  <a:srgbClr val="ABB2BF"/>
+                </a:solidFill>
+                <a:latin typeface="Menlo" panose="020B0609030804020204" pitchFamily="49" charset="0"/>
+              </a:rPr>
+              <a:t>={</a:t>
+            </a:r>
+            <a:r>
+              <a:rPr lang="it-CH" sz="1400" dirty="0">
+                <a:solidFill>
+                  <a:srgbClr val="D19A66"/>
+                </a:solidFill>
+                <a:latin typeface="Menlo" panose="020B0609030804020204" pitchFamily="49" charset="0"/>
+              </a:rPr>
+              <a:t>true</a:t>
+            </a:r>
+            <a:r>
+              <a:rPr lang="it-CH" sz="1400" dirty="0">
+                <a:solidFill>
+                  <a:srgbClr val="ABB2BF"/>
+                </a:solidFill>
+                <a:latin typeface="Menlo" panose="020B0609030804020204" pitchFamily="49" charset="0"/>
+              </a:rPr>
+              <a:t>}/&gt;</a:t>
+            </a:r>
+          </a:p>
+          <a:p>
+            <a:endParaRPr lang="it-IT" dirty="0"/>
+          </a:p>
+        </p:txBody>
+      </p:sp>
+      <p:sp>
+        <p:nvSpPr>
+          <p:cNvPr id="5" name="CasellaDiTesto 4">
+            <a:extLst>
+              <a:ext uri="{FF2B5EF4-FFF2-40B4-BE49-F238E27FC236}">
+                <a16:creationId xmlns:a16="http://schemas.microsoft.com/office/drawing/2014/main" id="{1946B76A-E69C-CF49-AFEC-B72AD7F6493E}"/>
+              </a:ext>
+            </a:extLst>
+          </p:cNvPr>
+          <p:cNvSpPr txBox="1"/>
+          <p:nvPr/>
+        </p:nvSpPr>
+        <p:spPr>
+          <a:xfrm>
+            <a:off x="719572" y="5450727"/>
+            <a:ext cx="7056784" cy="1187606"/>
+          </a:xfrm>
+          <a:prstGeom prst="rect">
+            <a:avLst/>
+          </a:prstGeom>
+          <a:solidFill>
+            <a:schemeClr val="tx1">
+              <a:lumMod val="85000"/>
+              <a:lumOff val="15000"/>
+            </a:schemeClr>
+          </a:solidFill>
+        </p:spPr>
+        <p:style>
+          <a:lnRef idx="2">
+            <a:schemeClr val="dk1"/>
+          </a:lnRef>
+          <a:fillRef idx="1">
+            <a:schemeClr val="lt1"/>
+          </a:fillRef>
+          <a:effectRef idx="0">
+            <a:schemeClr val="dk1"/>
+          </a:effectRef>
+          <a:fontRef idx="minor">
+            <a:schemeClr val="dk1"/>
+          </a:fontRef>
+        </p:style>
+        <p:txBody>
+          <a:bodyPr wrap="square" tIns="216000" rtlCol="0" anchor="ctr" anchorCtr="0">
+            <a:spAutoFit/>
+          </a:bodyPr>
+          <a:lstStyle/>
+          <a:p>
+            <a:r>
+              <a:rPr lang="it-CH" sz="1400" dirty="0">
+                <a:solidFill>
+                  <a:srgbClr val="ABB2BF"/>
+                </a:solidFill>
+                <a:latin typeface="Menlo" panose="020B0609030804020204" pitchFamily="49" charset="0"/>
+              </a:rPr>
+              <a:t>&lt;</a:t>
+            </a:r>
+            <a:r>
+              <a:rPr lang="it-CH" sz="1400" dirty="0">
+                <a:solidFill>
+                  <a:srgbClr val="E5C07B"/>
+                </a:solidFill>
+                <a:latin typeface="Menlo" panose="020B0609030804020204" pitchFamily="49" charset="0"/>
+              </a:rPr>
+              <a:t>Calendar</a:t>
+            </a:r>
+            <a:r>
+              <a:rPr lang="it-CH" sz="1400" dirty="0">
+                <a:solidFill>
+                  <a:srgbClr val="ABB2BF"/>
+                </a:solidFill>
+                <a:latin typeface="Menlo" panose="020B0609030804020204" pitchFamily="49" charset="0"/>
+              </a:rPr>
+              <a:t> </a:t>
+            </a:r>
+            <a:r>
+              <a:rPr lang="it-CH" sz="1400" dirty="0">
+                <a:solidFill>
+                  <a:srgbClr val="D19A66"/>
+                </a:solidFill>
+                <a:latin typeface="Menlo" panose="020B0609030804020204" pitchFamily="49" charset="0"/>
+              </a:rPr>
+              <a:t>data</a:t>
+            </a:r>
+            <a:r>
+              <a:rPr lang="it-CH" sz="1400" dirty="0">
+                <a:solidFill>
+                  <a:srgbClr val="ABB2BF"/>
+                </a:solidFill>
+                <a:latin typeface="Menlo" panose="020B0609030804020204" pitchFamily="49" charset="0"/>
+              </a:rPr>
+              <a:t>={local_json} </a:t>
+            </a:r>
+            <a:r>
+              <a:rPr lang="it-CH" sz="1400" dirty="0">
+                <a:solidFill>
+                  <a:srgbClr val="D19A66"/>
+                </a:solidFill>
+                <a:latin typeface="Menlo" panose="020B0609030804020204" pitchFamily="49" charset="0"/>
+              </a:rPr>
+              <a:t>calendars</a:t>
+            </a:r>
+            <a:r>
+              <a:rPr lang="it-CH" sz="1400" dirty="0">
+                <a:solidFill>
+                  <a:srgbClr val="ABB2BF"/>
+                </a:solidFill>
+                <a:latin typeface="Menlo" panose="020B0609030804020204" pitchFamily="49" charset="0"/>
+              </a:rPr>
+              <a:t>={local_calendar} </a:t>
+            </a:r>
+            <a:r>
+              <a:rPr lang="it-CH" sz="1400" dirty="0">
+                <a:solidFill>
+                  <a:srgbClr val="D19A66"/>
+                </a:solidFill>
+                <a:latin typeface="Menlo" panose="020B0609030804020204" pitchFamily="49" charset="0"/>
+              </a:rPr>
+              <a:t>clickHandler</a:t>
+            </a:r>
+            <a:r>
+              <a:rPr lang="it-CH" sz="1400" dirty="0">
+                <a:solidFill>
+                  <a:srgbClr val="ABB2BF"/>
+                </a:solidFill>
+                <a:latin typeface="Menlo" panose="020B0609030804020204" pitchFamily="49" charset="0"/>
+              </a:rPr>
+              <a:t>={clickHandler} </a:t>
+            </a:r>
+            <a:r>
+              <a:rPr lang="it-CH" sz="1400" dirty="0">
+                <a:solidFill>
+                  <a:srgbClr val="D19A66"/>
+                </a:solidFill>
+                <a:latin typeface="Menlo" panose="020B0609030804020204" pitchFamily="49" charset="0"/>
+              </a:rPr>
+              <a:t>searchBar</a:t>
+            </a:r>
+            <a:r>
+              <a:rPr lang="it-CH" sz="1400" dirty="0">
+                <a:solidFill>
+                  <a:srgbClr val="ABB2BF"/>
+                </a:solidFill>
+                <a:latin typeface="Menlo" panose="020B0609030804020204" pitchFamily="49" charset="0"/>
+              </a:rPr>
+              <a:t>={</a:t>
+            </a:r>
+            <a:r>
+              <a:rPr lang="it-CH" sz="1400" dirty="0">
+                <a:solidFill>
+                  <a:srgbClr val="D19A66"/>
+                </a:solidFill>
+                <a:latin typeface="Menlo" panose="020B0609030804020204" pitchFamily="49" charset="0"/>
+              </a:rPr>
+              <a:t>false</a:t>
+            </a:r>
+            <a:r>
+              <a:rPr lang="it-CH" sz="1400" dirty="0">
+                <a:solidFill>
+                  <a:srgbClr val="ABB2BF"/>
+                </a:solidFill>
+                <a:latin typeface="Menlo" panose="020B0609030804020204" pitchFamily="49" charset="0"/>
+              </a:rPr>
+              <a:t>} </a:t>
+            </a:r>
+            <a:r>
+              <a:rPr lang="it-CH" sz="1400" dirty="0">
+                <a:solidFill>
+                  <a:srgbClr val="D19A66"/>
+                </a:solidFill>
+                <a:latin typeface="Menlo" panose="020B0609030804020204" pitchFamily="49" charset="0"/>
+              </a:rPr>
+              <a:t>week</a:t>
+            </a:r>
+            <a:r>
+              <a:rPr lang="it-CH" sz="1400" dirty="0">
+                <a:solidFill>
+                  <a:srgbClr val="ABB2BF"/>
+                </a:solidFill>
+                <a:latin typeface="Menlo" panose="020B0609030804020204" pitchFamily="49" charset="0"/>
+              </a:rPr>
+              <a:t>={</a:t>
+            </a:r>
+            <a:r>
+              <a:rPr lang="it-CH" sz="1400" dirty="0">
+                <a:solidFill>
+                  <a:srgbClr val="D19A66"/>
+                </a:solidFill>
+                <a:latin typeface="Menlo" panose="020B0609030804020204" pitchFamily="49" charset="0"/>
+              </a:rPr>
+              <a:t>true</a:t>
+            </a:r>
+            <a:r>
+              <a:rPr lang="it-CH" sz="1400" dirty="0">
+                <a:solidFill>
+                  <a:srgbClr val="ABB2BF"/>
+                </a:solidFill>
+                <a:latin typeface="Menlo" panose="020B0609030804020204" pitchFamily="49" charset="0"/>
+              </a:rPr>
+              <a:t>} </a:t>
+            </a:r>
+            <a:r>
+              <a:rPr lang="it-CH" sz="1400" dirty="0">
+                <a:solidFill>
+                  <a:srgbClr val="D19A66"/>
+                </a:solidFill>
+                <a:latin typeface="Menlo" panose="020B0609030804020204" pitchFamily="49" charset="0"/>
+              </a:rPr>
+              <a:t>month</a:t>
+            </a:r>
+            <a:r>
+              <a:rPr lang="it-CH" sz="1400" dirty="0">
+                <a:solidFill>
+                  <a:srgbClr val="ABB2BF"/>
+                </a:solidFill>
+                <a:latin typeface="Menlo" panose="020B0609030804020204" pitchFamily="49" charset="0"/>
+              </a:rPr>
+              <a:t>={</a:t>
+            </a:r>
+            <a:r>
+              <a:rPr lang="it-CH" sz="1400" dirty="0">
+                <a:solidFill>
+                  <a:srgbClr val="D19A66"/>
+                </a:solidFill>
+                <a:latin typeface="Menlo" panose="020B0609030804020204" pitchFamily="49" charset="0"/>
+              </a:rPr>
+              <a:t>false</a:t>
+            </a:r>
+            <a:r>
+              <a:rPr lang="it-CH" sz="1400" dirty="0">
+                <a:solidFill>
+                  <a:srgbClr val="ABB2BF"/>
+                </a:solidFill>
+                <a:latin typeface="Menlo" panose="020B0609030804020204" pitchFamily="49" charset="0"/>
+              </a:rPr>
+              <a:t>}/&gt;</a:t>
+            </a:r>
+          </a:p>
+          <a:p>
+            <a:endParaRPr lang="it-IT" dirty="0"/>
           </a:p>
         </p:txBody>
       </p:sp>

--- a/Gr01_React_MorandaRiccardi.pptx
+++ b/Gr01_React_MorandaRiccardi.pptx
@@ -264,7 +264,7 @@
             <a:fld id="{EC9388A7-5429-7442-BD81-798B3F4B5BE0}" type="datetime1">
               <a:rPr lang="it-IT"/>
               <a:pPr/>
-              <a:t>03/05/22</a:t>
+              <a:t>04/05/22</a:t>
             </a:fld>
             <a:endParaRPr lang="it-IT"/>
           </a:p>
@@ -515,14 +515,14 @@
           </a:ln>
           <a:extLst>
             <a:ext uri="{909E8E84-426E-40dd-AFC4-6F175D3DCCD1}">
-              <a14:hiddenFill xmlns="" xmlns:a14="http://schemas.microsoft.com/office/drawing/2010/main">
+              <a14:hiddenFill xmlns:a14="http://schemas.microsoft.com/office/drawing/2010/main" xmlns="">
                 <a:solidFill>
                   <a:srgbClr val="FFFFFF"/>
                 </a:solidFill>
               </a14:hiddenFill>
             </a:ext>
             <a:ext uri="{FAA26D3D-D897-4be2-8F04-BA451C77F1D7}">
-              <ma14:placeholderFlag xmlns="" xmlns:ma14="http://schemas.microsoft.com/office/mac/drawingml/2011/main" val="1"/>
+              <ma14:placeholderFlag xmlns:ma14="http://schemas.microsoft.com/office/mac/drawingml/2011/main" xmlns="" val="1"/>
             </a:ext>
           </a:extLst>
         </p:spPr>
@@ -5867,53 +5867,6 @@
             </a:pPr>
             <a:r>
               <a:rPr lang="it-IT" sz="1800" dirty="0"/>
-              <a:t>Vista Mensile</a:t>
-            </a:r>
-          </a:p>
-          <a:p>
-            <a:pPr marL="285750" indent="-285750">
-              <a:buFont typeface="Arial" panose="020B0604020202020204" pitchFamily="34" charset="0"/>
-              <a:buChar char="•"/>
-            </a:pPr>
-            <a:r>
-              <a:rPr lang="it-IT" sz="1800" dirty="0"/>
-              <a:t>Vista Settimanale</a:t>
-            </a:r>
-          </a:p>
-          <a:p>
-            <a:pPr marL="285750" indent="-285750">
-              <a:buFont typeface="Arial" panose="020B0604020202020204" pitchFamily="34" charset="0"/>
-              <a:buChar char="•"/>
-            </a:pPr>
-            <a:r>
-              <a:rPr lang="it-IT" sz="1800" dirty="0" err="1"/>
-              <a:t>Search</a:t>
-            </a:r>
-            <a:r>
-              <a:rPr lang="it-IT" sz="1800" dirty="0"/>
-              <a:t> &amp; </a:t>
-            </a:r>
-            <a:r>
-              <a:rPr lang="it-IT" sz="1800" dirty="0" err="1"/>
-              <a:t>Calendar</a:t>
-            </a:r>
-            <a:r>
-              <a:rPr lang="it-IT" sz="1800" dirty="0"/>
-              <a:t> </a:t>
-            </a:r>
-            <a:r>
-              <a:rPr lang="it-IT" sz="1800" dirty="0" err="1"/>
-              <a:t>Checkboxes</a:t>
-            </a:r>
-            <a:endParaRPr lang="it-IT" sz="1800" dirty="0"/>
-          </a:p>
-          <a:p>
-            <a:pPr marL="285750" indent="-285750">
-              <a:buFont typeface="Arial" panose="020B0604020202020204" pitchFamily="34" charset="0"/>
-              <a:buChar char="•"/>
-            </a:pPr>
-            <a:r>
-              <a:rPr lang="it-IT" sz="1800" dirty="0"/>
               <a:t>Demo</a:t>
             </a:r>
           </a:p>
@@ -6037,7 +5990,15 @@
             </a:pPr>
             <a:r>
               <a:rPr lang="it-IT" sz="1800" dirty="0"/>
-              <a:t>Gestire lo state sul DOM</a:t>
+              <a:t>Gestione dello state e del </a:t>
+            </a:r>
+            <a:r>
+              <a:rPr lang="it-IT" sz="1800" dirty="0" err="1"/>
+              <a:t>rendering</a:t>
+            </a:r>
+            <a:r>
+              <a:rPr lang="it-IT" sz="1800" dirty="0"/>
+              <a:t> sul DOM</a:t>
             </a:r>
           </a:p>
           <a:p>
@@ -6170,13 +6131,33 @@
             </a:r>
           </a:p>
           <a:p>
+            <a:pPr marL="1028700" lvl="1">
+              <a:buFont typeface="Arial" panose="020B0604020202020204" pitchFamily="34" charset="0"/>
+              <a:buChar char="•"/>
+            </a:pPr>
+            <a:r>
+              <a:rPr lang="en-US" sz="1600" dirty="0"/>
+              <a:t>Functional components</a:t>
+            </a:r>
+          </a:p>
+          <a:p>
+            <a:pPr marL="1028700" lvl="1">
+              <a:buFont typeface="Arial" panose="020B0604020202020204" pitchFamily="34" charset="0"/>
+              <a:buChar char="•"/>
+            </a:pPr>
+            <a:r>
+              <a:rPr lang="en-US" sz="1600" dirty="0"/>
+              <a:t>Class-based components</a:t>
+            </a:r>
+          </a:p>
+          <a:p>
             <a:pPr marL="285750" indent="-285750">
               <a:buFont typeface="Arial" panose="020B0604020202020204" pitchFamily="34" charset="0"/>
               <a:buChar char="•"/>
             </a:pPr>
             <a:r>
               <a:rPr lang="en-US" sz="1800" dirty="0"/>
-              <a:t>Functional components</a:t>
+              <a:t>One-Way Data Binding</a:t>
             </a:r>
           </a:p>
           <a:p>
@@ -6186,37 +6167,7 @@
             </a:pPr>
             <a:r>
               <a:rPr lang="en-US" sz="1800" dirty="0"/>
-              <a:t>Class-based components</a:t>
-            </a:r>
-          </a:p>
-          <a:p>
-            <a:pPr marL="285750" indent="-285750">
-              <a:buFont typeface="Arial" panose="020B0604020202020204" pitchFamily="34" charset="0"/>
-              <a:buChar char="•"/>
-            </a:pPr>
-            <a:r>
-              <a:rPr lang="en-US" sz="1800" dirty="0"/>
-              <a:t>One-Way Data Binding</a:t>
-            </a:r>
-          </a:p>
-          <a:p>
-            <a:pPr marL="285750" indent="-285750">
-              <a:buFont typeface="Arial" panose="020B0604020202020204" pitchFamily="34" charset="0"/>
-              <a:buChar char="•"/>
-            </a:pPr>
-            <a:r>
-              <a:rPr lang="en-US" sz="1800" dirty="0"/>
               <a:t>Virtual DOM</a:t>
-            </a:r>
-          </a:p>
-          <a:p>
-            <a:pPr marL="285750" indent="-285750">
-              <a:buFont typeface="Arial" panose="020B0604020202020204" pitchFamily="34" charset="0"/>
-              <a:buChar char="•"/>
-            </a:pPr>
-            <a:r>
-              <a:rPr lang="en-US" sz="1800" dirty="0"/>
-              <a:t>Lifecycle methods</a:t>
             </a:r>
           </a:p>
           <a:p>
